--- a/Projekt/presentation.pptx
+++ b/Projekt/presentation.pptx
@@ -20,7 +20,7 @@
     <p:sldId id="259" r:id="rId14"/>
     <p:sldId id="260" r:id="rId15"/>
   </p:sldIdLst>
-  <p:sldSz cx="12192000" cy="6858000" type="screen4x3"/>
+  <p:sldSz cx="12192000" cy="6858000"/>
   <p:notesSz cx="6858000" cy="9144000"/>
   <p:defaultTextStyle>
     <a:defPPr>
@@ -1004,6 +1004,8 @@
           <a:p>
             <a:pPr lvl="0"/>
             <a:fld id="{ED3BDCA6-856C-463A-8A98-07C5CA1B2823}" type="slidenum">
+              <a:rPr/>
+              <a:pPr lvl="0"/>
               <a:t>‹Nr.›</a:t>
             </a:fld>
             <a:endParaRPr lang="en-US"/>
@@ -1223,6 +1225,8 @@
           <a:p>
             <a:pPr lvl="0"/>
             <a:fld id="{D69880EC-F95E-458D-B752-63E7613C3865}" type="slidenum">
+              <a:rPr/>
+              <a:pPr lvl="0"/>
               <a:t>‹Nr.›</a:t>
             </a:fld>
             <a:endParaRPr lang="en-US"/>
@@ -1398,6 +1402,8 @@
           <a:p>
             <a:pPr lvl="0"/>
             <a:fld id="{834547CC-F911-4A4E-AA33-641A1F9383F3}" type="slidenum">
+              <a:rPr/>
+              <a:pPr lvl="0"/>
               <a:t>‹Nr.›</a:t>
             </a:fld>
             <a:endParaRPr lang="en-US"/>
@@ -1719,6 +1725,8 @@
           <a:p>
             <a:pPr lvl="0"/>
             <a:fld id="{83AA7190-277B-4828-9E59-6EF1F8490497}" type="slidenum">
+              <a:rPr/>
+              <a:pPr lvl="0"/>
               <a:t>‹Nr.›</a:t>
             </a:fld>
             <a:endParaRPr lang="en-US"/>
@@ -1894,6 +1902,8 @@
           <a:p>
             <a:pPr lvl="0"/>
             <a:fld id="{EE0AFCF5-BDDD-4D06-A368-ED23405E5E10}" type="slidenum">
+              <a:rPr/>
+              <a:pPr lvl="0"/>
               <a:t>‹Nr.›</a:t>
             </a:fld>
             <a:endParaRPr lang="en-US"/>
@@ -2215,6 +2225,8 @@
           <a:p>
             <a:pPr lvl="0"/>
             <a:fld id="{11EBB019-AD19-45BC-8935-045CAF609C45}" type="slidenum">
+              <a:rPr/>
+              <a:pPr lvl="0"/>
               <a:t>‹Nr.›</a:t>
             </a:fld>
             <a:endParaRPr lang="en-US"/>
@@ -2426,6 +2438,8 @@
           <a:p>
             <a:pPr lvl="0"/>
             <a:fld id="{682F8280-1C88-490F-B8A7-5C2B0FD74215}" type="slidenum">
+              <a:rPr/>
+              <a:pPr lvl="0"/>
               <a:t>‹Nr.›</a:t>
             </a:fld>
             <a:endParaRPr lang="en-US"/>
@@ -2628,6 +2642,8 @@
           <a:p>
             <a:pPr lvl="0"/>
             <a:fld id="{E27CC96E-5F51-4741-B02C-CAFF8EA54526}" type="slidenum">
+              <a:rPr/>
+              <a:pPr lvl="0"/>
               <a:t>‹Nr.›</a:t>
             </a:fld>
             <a:endParaRPr lang="en-US"/>
@@ -2840,6 +2856,8 @@
           <a:p>
             <a:pPr lvl="0"/>
             <a:fld id="{2E6D362F-843B-4A28-82B7-063190AD136B}" type="slidenum">
+              <a:rPr/>
+              <a:pPr lvl="0"/>
               <a:t>‹Nr.›</a:t>
             </a:fld>
             <a:endParaRPr lang="en-US"/>
@@ -3047,6 +3065,8 @@
           <a:p>
             <a:pPr lvl="0"/>
             <a:fld id="{9B4C1C41-B8E6-407A-B7E4-AC4A9250E004}" type="slidenum">
+              <a:rPr/>
+              <a:pPr lvl="0"/>
               <a:t>‹Nr.›</a:t>
             </a:fld>
             <a:endParaRPr lang="en-US"/>
@@ -3222,6 +3242,8 @@
           <a:p>
             <a:pPr lvl="0"/>
             <a:fld id="{58249C0D-BF40-4D05-88B9-0491DE0D54F7}" type="slidenum">
+              <a:rPr/>
+              <a:pPr lvl="0"/>
               <a:t>‹Nr.›</a:t>
             </a:fld>
             <a:endParaRPr lang="en-US"/>
@@ -3526,6 +3548,8 @@
           <a:p>
             <a:pPr lvl="0"/>
             <a:fld id="{0C97747B-4128-4FCD-902B-184E33B928DB}" type="slidenum">
+              <a:rPr/>
+              <a:pPr lvl="0"/>
               <a:t>‹Nr.›</a:t>
             </a:fld>
             <a:endParaRPr lang="en-US"/>
@@ -3911,6 +3935,8 @@
           <a:p>
             <a:pPr lvl="0"/>
             <a:fld id="{7CC0F595-DD00-4121-8A43-85A8C4CFBAE5}" type="slidenum">
+              <a:rPr/>
+              <a:pPr lvl="0"/>
               <a:t>‹Nr.›</a:t>
             </a:fld>
             <a:endParaRPr lang="en-US"/>
@@ -4045,6 +4071,8 @@
           <a:p>
             <a:pPr lvl="0"/>
             <a:fld id="{EFA5374C-1918-4683-867F-BC9344AD33C5}" type="slidenum">
+              <a:rPr/>
+              <a:pPr lvl="0"/>
               <a:t>‹Nr.›</a:t>
             </a:fld>
             <a:endParaRPr lang="en-US"/>
@@ -4151,6 +4179,8 @@
           <a:p>
             <a:pPr lvl="0"/>
             <a:fld id="{935EA1F1-A2AD-4B43-ADA5-60A2B777BEFA}" type="slidenum">
+              <a:rPr/>
+              <a:pPr lvl="0"/>
               <a:t>‹Nr.›</a:t>
             </a:fld>
             <a:endParaRPr lang="en-US"/>
@@ -4409,6 +4439,8 @@
           <a:p>
             <a:pPr lvl="0"/>
             <a:fld id="{1DED6D78-1584-4B09-AB0E-CDD87333F677}" type="slidenum">
+              <a:rPr/>
+              <a:pPr lvl="0"/>
               <a:t>‹Nr.›</a:t>
             </a:fld>
             <a:endParaRPr lang="en-US"/>
@@ -4628,6 +4660,8 @@
           <a:p>
             <a:pPr lvl="0"/>
             <a:fld id="{D22F4BE3-322D-4BD1-B878-666D47D49085}" type="slidenum">
+              <a:rPr/>
+              <a:pPr lvl="0"/>
               <a:t>‹Nr.›</a:t>
             </a:fld>
             <a:endParaRPr lang="en-US"/>
@@ -5650,6 +5684,8 @@
           <a:p>
             <a:pPr lvl="0"/>
             <a:fld id="{11A6BFFE-7CD5-4522-A886-95737ECF30C5}" type="slidenum">
+              <a:rPr/>
+              <a:pPr lvl="0"/>
               <a:t>‹Nr.›</a:t>
             </a:fld>
             <a:endParaRPr lang="en-US"/>
@@ -5884,7 +5920,7 @@
             </a:r>
             <a:r>
               <a:rPr lang="en-US" dirty="0" err="1" smtClean="0"/>
-              <a:t>neues</a:t>
+              <a:t>neue</a:t>
             </a:r>
             <a:r>
               <a:rPr lang="en-US" dirty="0" smtClean="0"/>
@@ -6053,12 +6089,90 @@
           <a:p>
             <a:r>
               <a:rPr lang="de-DE" dirty="0" smtClean="0"/>
-              <a:t>…</a:t>
+              <a:t>Verbindet Sport und Spiel</a:t>
             </a:r>
             <a:endParaRPr lang="de-DE" dirty="0"/>
           </a:p>
         </p:txBody>
       </p:sp>
+      <p:pic>
+        <p:nvPicPr>
+          <p:cNvPr id="5130" name="Picture 10" descr="http://hd.wallpaperswide.com/thumbs/have_fun-t2.jpg"/>
+          <p:cNvPicPr>
+            <a:picLocks noChangeAspect="1" noChangeArrowheads="1"/>
+          </p:cNvPicPr>
+          <p:nvPr/>
+        </p:nvPicPr>
+        <p:blipFill>
+          <a:blip r:embed="rId2" cstate="print"/>
+          <a:srcRect/>
+          <a:stretch>
+            <a:fillRect/>
+          </a:stretch>
+        </p:blipFill>
+        <p:spPr bwMode="auto">
+          <a:xfrm>
+            <a:off x="5591944" y="2204864"/>
+            <a:ext cx="5786825" cy="3744416"/>
+          </a:xfrm>
+          <a:prstGeom prst="rect">
+            <a:avLst/>
+          </a:prstGeom>
+          <a:noFill/>
+        </p:spPr>
+      </p:pic>
+      <p:pic>
+        <p:nvPicPr>
+          <p:cNvPr id="5124" name="Picture 4" descr="https://appzumbi.com/pd/a5/e/sports-run-running-walking-exercise-running-symbol-H2Ew.png"/>
+          <p:cNvPicPr>
+            <a:picLocks noChangeAspect="1" noChangeArrowheads="1"/>
+          </p:cNvPicPr>
+          <p:nvPr/>
+        </p:nvPicPr>
+        <p:blipFill>
+          <a:blip r:embed="rId3" cstate="print"/>
+          <a:srcRect/>
+          <a:stretch>
+            <a:fillRect/>
+          </a:stretch>
+        </p:blipFill>
+        <p:spPr bwMode="auto">
+          <a:xfrm>
+            <a:off x="6528048" y="2708920"/>
+            <a:ext cx="1850606" cy="1698501"/>
+          </a:xfrm>
+          <a:prstGeom prst="rect">
+            <a:avLst/>
+          </a:prstGeom>
+          <a:noFill/>
+        </p:spPr>
+      </p:pic>
+      <p:pic>
+        <p:nvPicPr>
+          <p:cNvPr id="5128" name="Picture 8" descr="https://i.ytimg.com/vi/xrvkzZnRKVo/maxresdefault.jpg"/>
+          <p:cNvPicPr>
+            <a:picLocks noChangeAspect="1" noChangeArrowheads="1"/>
+          </p:cNvPicPr>
+          <p:nvPr/>
+        </p:nvPicPr>
+        <p:blipFill>
+          <a:blip r:embed="rId4" cstate="print"/>
+          <a:srcRect/>
+          <a:stretch>
+            <a:fillRect/>
+          </a:stretch>
+        </p:blipFill>
+        <p:spPr bwMode="auto">
+          <a:xfrm>
+            <a:off x="8904312" y="2708920"/>
+            <a:ext cx="1667861" cy="1736440"/>
+          </a:xfrm>
+          <a:prstGeom prst="rect">
+            <a:avLst/>
+          </a:prstGeom>
+          <a:noFill/>
+        </p:spPr>
+      </p:pic>
     </p:spTree>
   </p:cSld>
   <p:clrMapOvr>
@@ -6713,8 +6827,13 @@
             </a:r>
             <a:r>
               <a:rPr lang="de-DE" dirty="0" smtClean="0"/>
-              <a:t> Computing??</a:t>
-            </a:r>
+              <a:t> </a:t>
+            </a:r>
+            <a:r>
+              <a:rPr lang="de-DE" dirty="0" smtClean="0"/>
+              <a:t>Computing</a:t>
+            </a:r>
+            <a:endParaRPr lang="de-DE" dirty="0" smtClean="0"/>
           </a:p>
           <a:p>
             <a:r>
@@ -7323,15 +7442,15 @@
         </p:nvPicPr>
         <p:blipFill>
           <a:blip r:embed="rId2" cstate="print"/>
-          <a:srcRect/>
+          <a:srcRect r="5935"/>
           <a:stretch>
             <a:fillRect/>
           </a:stretch>
         </p:blipFill>
         <p:spPr bwMode="auto">
           <a:xfrm>
-            <a:off x="8256240" y="2348880"/>
-            <a:ext cx="3444801" cy="3890090"/>
+            <a:off x="8544272" y="2564904"/>
+            <a:ext cx="2952328" cy="3544304"/>
           </a:xfrm>
           <a:prstGeom prst="rect">
             <a:avLst/>
@@ -7519,7 +7638,11 @@
             </a:r>
             <a:r>
               <a:rPr lang="de-DE" dirty="0" smtClean="0"/>
-              <a:t> Computing??</a:t>
+              <a:t> </a:t>
+            </a:r>
+            <a:r>
+              <a:rPr lang="de-DE" dirty="0" smtClean="0"/>
+              <a:t>Computing</a:t>
             </a:r>
             <a:endParaRPr lang="de-DE" dirty="0"/>
           </a:p>

--- a/Projekt/presentation.pptx
+++ b/Projekt/presentation.pptx
@@ -15,10 +15,6 @@
     <p:sldId id="267" r:id="rId9"/>
     <p:sldId id="268" r:id="rId10"/>
     <p:sldId id="269" r:id="rId11"/>
-    <p:sldId id="257" r:id="rId12"/>
-    <p:sldId id="258" r:id="rId13"/>
-    <p:sldId id="259" r:id="rId14"/>
-    <p:sldId id="260" r:id="rId15"/>
   </p:sldIdLst>
   <p:sldSz cx="12192000" cy="6858000"/>
   <p:notesSz cx="6858000" cy="9144000"/>
@@ -117,6 +113,22 @@
       </a:defRPr>
     </a:lvl9pPr>
   </p:defaultTextStyle>
+  <p:extLst>
+    <p:ext uri="{EFAFB233-063F-42B5-8137-9DF3F51BA10A}">
+      <p15:sldGuideLst xmlns:p15="http://schemas.microsoft.com/office/powerpoint/2012/main">
+        <p15:guide id="1" orient="horz" pos="2160">
+          <p15:clr>
+            <a:srgbClr val="A4A3A4"/>
+          </p15:clr>
+        </p15:guide>
+        <p15:guide id="2" pos="3840">
+          <p15:clr>
+            <a:srgbClr val="A4A3A4"/>
+          </p15:clr>
+        </p15:guide>
+      </p15:sldGuideLst>
+    </p:ext>
+  </p:extLst>
 </p:presentation>
 </file>
 
@@ -5904,37 +5916,40 @@
           <a:p>
             <a:pPr lvl="0"/>
             <a:r>
-              <a:rPr lang="en-US" dirty="0" err="1" smtClean="0"/>
+              <a:rPr lang="en-US" dirty="0" err="1"/>
               <a:t>PacMan</a:t>
             </a:r>
             <a:r>
-              <a:rPr lang="en-US" dirty="0" smtClean="0"/>
-              <a:t> – </a:t>
+              <a:rPr lang="en-US"/>
+              <a:t> </a:t>
+            </a:r>
+            <a:r>
+              <a:rPr lang="en-US"/>
+              <a:t>– </a:t>
             </a:r>
             <a:br>
-              <a:rPr lang="en-US" dirty="0" smtClean="0"/>
+              <a:rPr lang="en-US" dirty="0"/>
             </a:br>
             <a:r>
-              <a:rPr lang="en-US" dirty="0" smtClean="0"/>
+              <a:rPr lang="en-US" dirty="0"/>
               <a:t>das </a:t>
             </a:r>
             <a:r>
-              <a:rPr lang="en-US" dirty="0" err="1" smtClean="0"/>
+              <a:rPr lang="en-US" dirty="0" err="1"/>
               <a:t>neue</a:t>
             </a:r>
             <a:r>
-              <a:rPr lang="en-US" dirty="0" smtClean="0"/>
+              <a:rPr lang="en-US" dirty="0"/>
               <a:t> </a:t>
             </a:r>
             <a:r>
-              <a:rPr lang="en-US" dirty="0" err="1" smtClean="0"/>
+              <a:rPr lang="en-US" dirty="0" err="1"/>
               <a:t>Spielerlebnis</a:t>
             </a:r>
             <a:r>
-              <a:rPr lang="en-US" dirty="0" smtClean="0"/>
+              <a:rPr lang="en-US" dirty="0"/>
               <a:t> </a:t>
             </a:r>
-            <a:endParaRPr lang="en-US" dirty="0"/>
           </a:p>
         </p:txBody>
       </p:sp>
@@ -6010,13 +6025,6 @@
     <a:masterClrMapping/>
   </p:clrMapOvr>
   <p:transition/>
-  <p:timing>
-    <p:tnLst>
-      <p:par>
-        <p:cTn id="1" dur="indefinite" restart="never" nodeType="tmRoot"/>
-      </p:par>
-    </p:tnLst>
-  </p:timing>
 </p:sld>
 </file>
 
@@ -6053,7 +6061,7 @@
           <a:lstStyle/>
           <a:p>
             <a:r>
-              <a:rPr lang="de-DE" dirty="0" err="1" smtClean="0"/>
+              <a:rPr lang="de-DE" dirty="0" err="1"/>
               <a:t>Summary</a:t>
             </a:r>
             <a:endParaRPr lang="de-DE" dirty="0"/>
@@ -6076,21 +6084,23 @@
           <a:lstStyle/>
           <a:p>
             <a:r>
-              <a:rPr lang="de-DE" dirty="0" smtClean="0"/>
+              <a:rPr lang="de-DE" dirty="0"/>
               <a:t>Neuartiges Spielerlebnis</a:t>
             </a:r>
           </a:p>
           <a:p>
             <a:r>
-              <a:rPr lang="de-DE" dirty="0" smtClean="0"/>
+              <a:rPr lang="de-DE" dirty="0"/>
               <a:t>Intuitiver Controller</a:t>
             </a:r>
           </a:p>
           <a:p>
             <a:r>
-              <a:rPr lang="de-DE" dirty="0" smtClean="0"/>
+              <a:rPr lang="de-DE" dirty="0"/>
               <a:t>Verbindet Sport und Spiel</a:t>
             </a:r>
+          </a:p>
+          <a:p>
             <a:endParaRPr lang="de-DE" dirty="0"/>
           </a:p>
         </p:txBody>
@@ -6112,7 +6122,7 @@
         </p:blipFill>
         <p:spPr bwMode="auto">
           <a:xfrm>
-            <a:off x="5591944" y="2204864"/>
+            <a:off x="5375920" y="2132856"/>
             <a:ext cx="5786825" cy="3744416"/>
           </a:xfrm>
           <a:prstGeom prst="rect">
@@ -6138,7 +6148,7 @@
         </p:blipFill>
         <p:spPr bwMode="auto">
           <a:xfrm>
-            <a:off x="6528048" y="2708920"/>
+            <a:off x="6713428" y="2723419"/>
             <a:ext cx="1850606" cy="1698501"/>
           </a:xfrm>
           <a:prstGeom prst="rect">
@@ -6182,542 +6192,6 @@
 </p:sld>
 </file>
 
-<file path=ppt/slides/slide11.xml><?xml version="1.0" encoding="utf-8"?>
-<p:sld xmlns:a="http://schemas.openxmlformats.org/drawingml/2006/main" xmlns:r="http://schemas.openxmlformats.org/officeDocument/2006/relationships" xmlns:p="http://schemas.openxmlformats.org/presentationml/2006/main" show="0">
-  <p:cSld name="Slide4">
-    <p:spTree>
-      <p:nvGrpSpPr>
-        <p:cNvPr id="1" name=""/>
-        <p:cNvGrpSpPr/>
-        <p:nvPr/>
-      </p:nvGrpSpPr>
-      <p:grpSpPr>
-        <a:xfrm>
-          <a:off x="0" y="0"/>
-          <a:ext cx="0" cy="0"/>
-          <a:chOff x="0" y="0"/>
-          <a:chExt cx="0" cy="0"/>
-        </a:xfrm>
-      </p:grpSpPr>
-      <p:sp>
-        <p:nvSpPr>
-          <p:cNvPr id="2" name="Titel 8"/>
-          <p:cNvSpPr txBox="1">
-            <a:spLocks noGrp="1"/>
-          </p:cNvSpPr>
-          <p:nvPr>
-            <p:ph type="title"/>
-          </p:nvPr>
-        </p:nvSpPr>
-        <p:spPr/>
-        <p:txBody>
-          <a:bodyPr/>
-          <a:lstStyle/>
-          <a:p>
-            <a:endParaRPr lang="de-DE"/>
-          </a:p>
-        </p:txBody>
-      </p:sp>
-      <p:pic>
-        <p:nvPicPr>
-          <p:cNvPr id="3" name="Bildplatzhalter 6"/>
-          <p:cNvPicPr>
-            <a:picLocks noGrp="1" noChangeAspect="1"/>
-          </p:cNvPicPr>
-          <p:nvPr>
-            <p:ph idx="1"/>
-          </p:nvPr>
-        </p:nvPicPr>
-        <p:blipFill>
-          <a:blip r:embed="rId2" cstate="print"/>
-          <a:stretch>
-            <a:fillRect/>
-          </a:stretch>
-        </p:blipFill>
-        <p:spPr>
-          <a:xfrm>
-            <a:off x="5262564" y="1171767"/>
-            <a:ext cx="6240459" cy="4133462"/>
-          </a:xfrm>
-        </p:spPr>
-      </p:pic>
-      <p:sp>
-        <p:nvSpPr>
-          <p:cNvPr id="4" name="Textplatzhalter 9"/>
-          <p:cNvSpPr txBox="1">
-            <a:spLocks noGrp="1"/>
-          </p:cNvSpPr>
-          <p:nvPr>
-            <p:ph type="body" idx="2"/>
-          </p:nvPr>
-        </p:nvSpPr>
-        <p:spPr/>
-        <p:txBody>
-          <a:bodyPr/>
-          <a:lstStyle/>
-          <a:p>
-            <a:endParaRPr lang="de-DE"/>
-          </a:p>
-        </p:txBody>
-      </p:sp>
-    </p:spTree>
-  </p:cSld>
-  <p:clrMapOvr>
-    <a:masterClrMapping/>
-  </p:clrMapOvr>
-  <p:transition/>
-  <p:timing>
-    <p:tnLst>
-      <p:par>
-        <p:cTn id="1" dur="indefinite" restart="never" nodeType="tmRoot"/>
-      </p:par>
-    </p:tnLst>
-  </p:timing>
-</p:sld>
-</file>
-
-<file path=ppt/slides/slide12.xml><?xml version="1.0" encoding="utf-8"?>
-<p:sld xmlns:a="http://schemas.openxmlformats.org/drawingml/2006/main" xmlns:r="http://schemas.openxmlformats.org/officeDocument/2006/relationships" xmlns:p="http://schemas.openxmlformats.org/presentationml/2006/main" show="0">
-  <p:cSld name="Slide3">
-    <p:spTree>
-      <p:nvGrpSpPr>
-        <p:cNvPr id="1" name=""/>
-        <p:cNvGrpSpPr/>
-        <p:nvPr/>
-      </p:nvGrpSpPr>
-      <p:grpSpPr>
-        <a:xfrm>
-          <a:off x="0" y="0"/>
-          <a:ext cx="0" cy="0"/>
-          <a:chOff x="0" y="0"/>
-          <a:chExt cx="0" cy="0"/>
-        </a:xfrm>
-      </p:grpSpPr>
-      <p:sp>
-        <p:nvSpPr>
-          <p:cNvPr id="2" name="Titel 1"/>
-          <p:cNvSpPr txBox="1">
-            <a:spLocks noGrp="1"/>
-          </p:cNvSpPr>
-          <p:nvPr>
-            <p:ph type="title"/>
-          </p:nvPr>
-        </p:nvSpPr>
-        <p:spPr/>
-        <p:txBody>
-          <a:bodyPr/>
-          <a:lstStyle/>
-          <a:p>
-            <a:pPr lvl="0"/>
-            <a:r>
-              <a:rPr lang="en-US"/>
-              <a:t>Next level PacMan Experience</a:t>
-            </a:r>
-          </a:p>
-        </p:txBody>
-      </p:sp>
-      <p:sp>
-        <p:nvSpPr>
-          <p:cNvPr id="3" name="Inhaltsplatzhalter 2"/>
-          <p:cNvSpPr txBox="1">
-            <a:spLocks noGrp="1"/>
-          </p:cNvSpPr>
-          <p:nvPr>
-            <p:ph idx="1"/>
-          </p:nvPr>
-        </p:nvSpPr>
-        <p:spPr/>
-        <p:txBody>
-          <a:bodyPr/>
-          <a:lstStyle/>
-          <a:p>
-            <a:pPr marL="0" lvl="0" indent="0">
-              <a:buNone/>
-            </a:pPr>
-            <a:endParaRPr lang="en-US"/>
-          </a:p>
-          <a:p>
-            <a:pPr lvl="0"/>
-            <a:r>
-              <a:rPr lang="de-DE"/>
-              <a:t>Geister sind nun unsichtbar</a:t>
-            </a:r>
-          </a:p>
-          <a:p>
-            <a:pPr lvl="0"/>
-            <a:r>
-              <a:rPr lang="de-DE"/>
-              <a:t>Je schneller dein Puls, desto schneller PacMan -&gt; Sei sportlich</a:t>
-            </a:r>
-          </a:p>
-          <a:p>
-            <a:pPr lvl="0"/>
-            <a:r>
-              <a:rPr lang="de-DE"/>
-              <a:t>Geister gefährlicher als sonst, mit Q-Learning gesteuert</a:t>
-            </a:r>
-          </a:p>
-          <a:p>
-            <a:pPr lvl="0"/>
-            <a:r>
-              <a:rPr lang="de-DE"/>
-              <a:t>Kontrolliere PacMan mit  einem Alltagsgegenstand</a:t>
-            </a:r>
-          </a:p>
-          <a:p>
-            <a:pPr marL="0" lvl="0" indent="0">
-              <a:buNone/>
-            </a:pPr>
-            <a:endParaRPr lang="en-US"/>
-          </a:p>
-          <a:p>
-            <a:pPr lvl="0"/>
-            <a:endParaRPr lang="en-US"/>
-          </a:p>
-        </p:txBody>
-      </p:sp>
-      <p:pic>
-        <p:nvPicPr>
-          <p:cNvPr id="4" name="Inhaltsplatzhalter 4"/>
-          <p:cNvPicPr>
-            <a:picLocks noGrp="1" noChangeAspect="1"/>
-          </p:cNvPicPr>
-          <p:nvPr>
-            <p:ph idx="2"/>
-          </p:nvPr>
-        </p:nvPicPr>
-        <p:blipFill>
-          <a:blip r:embed="rId2" cstate="print"/>
-          <a:stretch>
-            <a:fillRect/>
-          </a:stretch>
-        </p:blipFill>
-        <p:spPr>
-          <a:xfrm>
-            <a:off x="6972299" y="2667003"/>
-            <a:ext cx="4165604" cy="3124203"/>
-          </a:xfrm>
-        </p:spPr>
-      </p:pic>
-    </p:spTree>
-  </p:cSld>
-  <p:clrMapOvr>
-    <a:masterClrMapping/>
-  </p:clrMapOvr>
-  <p:transition/>
-  <p:timing>
-    <p:tnLst>
-      <p:par>
-        <p:cTn id="1" dur="indefinite" restart="never" nodeType="tmRoot"/>
-      </p:par>
-    </p:tnLst>
-  </p:timing>
-</p:sld>
-</file>
-
-<file path=ppt/slides/slide13.xml><?xml version="1.0" encoding="utf-8"?>
-<p:sld xmlns:a="http://schemas.openxmlformats.org/drawingml/2006/main" xmlns:r="http://schemas.openxmlformats.org/officeDocument/2006/relationships" xmlns:p="http://schemas.openxmlformats.org/presentationml/2006/main" show="0">
-  <p:cSld name="Slide2">
-    <p:spTree>
-      <p:nvGrpSpPr>
-        <p:cNvPr id="1" name=""/>
-        <p:cNvGrpSpPr/>
-        <p:nvPr/>
-      </p:nvGrpSpPr>
-      <p:grpSpPr>
-        <a:xfrm>
-          <a:off x="0" y="0"/>
-          <a:ext cx="0" cy="0"/>
-          <a:chOff x="0" y="0"/>
-          <a:chExt cx="0" cy="0"/>
-        </a:xfrm>
-      </p:grpSpPr>
-      <p:pic>
-        <p:nvPicPr>
-          <p:cNvPr id="2" name="Grafik 3"/>
-          <p:cNvPicPr>
-            <a:picLocks noChangeAspect="1"/>
-          </p:cNvPicPr>
-          <p:nvPr/>
-        </p:nvPicPr>
-        <p:blipFill>
-          <a:blip r:embed="rId2" cstate="print"/>
-          <a:stretch>
-            <a:fillRect/>
-          </a:stretch>
-        </p:blipFill>
-        <p:spPr>
-          <a:xfrm>
-            <a:off x="2009384" y="0"/>
-            <a:ext cx="3639577" cy="3765352"/>
-          </a:xfrm>
-          <a:prstGeom prst="rect">
-            <a:avLst/>
-          </a:prstGeom>
-          <a:noFill/>
-          <a:ln>
-            <a:noFill/>
-          </a:ln>
-        </p:spPr>
-      </p:pic>
-      <p:pic>
-        <p:nvPicPr>
-          <p:cNvPr id="3" name="Grafik 4"/>
-          <p:cNvPicPr>
-            <a:picLocks noChangeAspect="1"/>
-          </p:cNvPicPr>
-          <p:nvPr/>
-        </p:nvPicPr>
-        <p:blipFill>
-          <a:blip r:embed="rId3" cstate="print"/>
-          <a:stretch>
-            <a:fillRect/>
-          </a:stretch>
-        </p:blipFill>
-        <p:spPr>
-          <a:xfrm rot="10799991" flipH="1">
-            <a:off x="1507443" y="3765352"/>
-            <a:ext cx="4141518" cy="2743200"/>
-          </a:xfrm>
-          <a:prstGeom prst="rect">
-            <a:avLst/>
-          </a:prstGeom>
-          <a:noFill/>
-          <a:ln>
-            <a:noFill/>
-          </a:ln>
-        </p:spPr>
-      </p:pic>
-      <p:pic>
-        <p:nvPicPr>
-          <p:cNvPr id="4" name="Grafik 5"/>
-          <p:cNvPicPr>
-            <a:picLocks noChangeAspect="1"/>
-          </p:cNvPicPr>
-          <p:nvPr/>
-        </p:nvPicPr>
-        <p:blipFill>
-          <a:blip r:embed="rId4" cstate="print"/>
-          <a:stretch>
-            <a:fillRect/>
-          </a:stretch>
-        </p:blipFill>
-        <p:spPr>
-          <a:xfrm>
-            <a:off x="7308424" y="0"/>
-            <a:ext cx="4883572" cy="3662684"/>
-          </a:xfrm>
-          <a:prstGeom prst="rect">
-            <a:avLst/>
-          </a:prstGeom>
-          <a:noFill/>
-          <a:ln>
-            <a:noFill/>
-          </a:ln>
-        </p:spPr>
-      </p:pic>
-      <p:pic>
-        <p:nvPicPr>
-          <p:cNvPr id="5" name="Grafik 6"/>
-          <p:cNvPicPr>
-            <a:picLocks noChangeAspect="1"/>
-          </p:cNvPicPr>
-          <p:nvPr/>
-        </p:nvPicPr>
-        <p:blipFill>
-          <a:blip r:embed="rId5" cstate="print"/>
-          <a:stretch>
-            <a:fillRect/>
-          </a:stretch>
-        </p:blipFill>
-        <p:spPr>
-          <a:xfrm>
-            <a:off x="7945121" y="3662684"/>
-            <a:ext cx="4246875" cy="3185156"/>
-          </a:xfrm>
-          <a:prstGeom prst="rect">
-            <a:avLst/>
-          </a:prstGeom>
-          <a:noFill/>
-          <a:ln>
-            <a:noFill/>
-          </a:ln>
-        </p:spPr>
-      </p:pic>
-    </p:spTree>
-  </p:cSld>
-  <p:clrMapOvr>
-    <a:masterClrMapping/>
-  </p:clrMapOvr>
-  <p:transition/>
-  <p:timing>
-    <p:tnLst>
-      <p:par>
-        <p:cTn id="1" dur="indefinite" restart="never" nodeType="tmRoot"/>
-      </p:par>
-    </p:tnLst>
-  </p:timing>
-</p:sld>
-</file>
-
-<file path=ppt/slides/slide14.xml><?xml version="1.0" encoding="utf-8"?>
-<p:sld xmlns:a="http://schemas.openxmlformats.org/drawingml/2006/main" xmlns:r="http://schemas.openxmlformats.org/officeDocument/2006/relationships" xmlns:p="http://schemas.openxmlformats.org/presentationml/2006/main" show="0">
-  <p:cSld name="Slide5">
-    <p:spTree>
-      <p:nvGrpSpPr>
-        <p:cNvPr id="1" name=""/>
-        <p:cNvGrpSpPr/>
-        <p:nvPr/>
-      </p:nvGrpSpPr>
-      <p:grpSpPr>
-        <a:xfrm>
-          <a:off x="0" y="0"/>
-          <a:ext cx="0" cy="0"/>
-          <a:chOff x="0" y="0"/>
-          <a:chExt cx="0" cy="0"/>
-        </a:xfrm>
-      </p:grpSpPr>
-      <p:sp>
-        <p:nvSpPr>
-          <p:cNvPr id="2" name="Titel 1"/>
-          <p:cNvSpPr txBox="1">
-            <a:spLocks noGrp="1"/>
-          </p:cNvSpPr>
-          <p:nvPr>
-            <p:ph type="title"/>
-          </p:nvPr>
-        </p:nvSpPr>
-        <p:spPr/>
-        <p:txBody>
-          <a:bodyPr/>
-          <a:lstStyle/>
-          <a:p>
-            <a:pPr lvl="0"/>
-            <a:r>
-              <a:rPr lang="en-US"/>
-              <a:t>Controller Sketches</a:t>
-            </a:r>
-          </a:p>
-        </p:txBody>
-      </p:sp>
-      <p:pic>
-        <p:nvPicPr>
-          <p:cNvPr id="3" name="Inhaltsplatzhalter 4"/>
-          <p:cNvPicPr>
-            <a:picLocks noGrp="1" noChangeAspect="1"/>
-          </p:cNvPicPr>
-          <p:nvPr>
-            <p:ph idx="1"/>
-          </p:nvPr>
-        </p:nvPicPr>
-        <p:blipFill>
-          <a:blip r:embed="rId2" cstate="print"/>
-          <a:stretch>
-            <a:fillRect/>
-          </a:stretch>
-        </p:blipFill>
-        <p:spPr>
-          <a:xfrm>
-            <a:off x="1484308" y="2946681"/>
-            <a:ext cx="4894261" cy="2957270"/>
-          </a:xfrm>
-        </p:spPr>
-      </p:pic>
-      <p:pic>
-        <p:nvPicPr>
-          <p:cNvPr id="4" name="Inhaltsplatzhalter 5"/>
-          <p:cNvPicPr>
-            <a:picLocks noGrp="1" noChangeAspect="1"/>
-          </p:cNvPicPr>
-          <p:nvPr>
-            <p:ph idx="2"/>
-          </p:nvPr>
-        </p:nvPicPr>
-        <p:blipFill>
-          <a:blip r:embed="rId3" cstate="print"/>
-          <a:stretch>
-            <a:fillRect/>
-          </a:stretch>
-        </p:blipFill>
-        <p:spPr>
-          <a:xfrm>
-            <a:off x="4695846" y="2184839"/>
-            <a:ext cx="7734050" cy="4673160"/>
-          </a:xfrm>
-        </p:spPr>
-      </p:pic>
-      <p:pic>
-        <p:nvPicPr>
-          <p:cNvPr id="5" name="Grafik 6"/>
-          <p:cNvPicPr>
-            <a:picLocks noChangeAspect="1"/>
-          </p:cNvPicPr>
-          <p:nvPr/>
-        </p:nvPicPr>
-        <p:blipFill>
-          <a:blip r:embed="rId4" cstate="print"/>
-          <a:stretch>
-            <a:fillRect/>
-          </a:stretch>
-        </p:blipFill>
-        <p:spPr>
-          <a:xfrm>
-            <a:off x="7445273" y="2438403"/>
-            <a:ext cx="5565660" cy="3362952"/>
-          </a:xfrm>
-          <a:prstGeom prst="rect">
-            <a:avLst/>
-          </a:prstGeom>
-          <a:noFill/>
-          <a:ln>
-            <a:noFill/>
-          </a:ln>
-        </p:spPr>
-      </p:pic>
-      <p:pic>
-        <p:nvPicPr>
-          <p:cNvPr id="6" name="Grafik 5"/>
-          <p:cNvPicPr>
-            <a:picLocks noChangeAspect="1"/>
-          </p:cNvPicPr>
-          <p:nvPr/>
-        </p:nvPicPr>
-        <p:blipFill>
-          <a:blip r:embed="rId5" cstate="print"/>
-          <a:stretch>
-            <a:fillRect/>
-          </a:stretch>
-        </p:blipFill>
-        <p:spPr>
-          <a:xfrm>
-            <a:off x="1640351" y="2923976"/>
-            <a:ext cx="2291084" cy="2979974"/>
-          </a:xfrm>
-          <a:prstGeom prst="rect">
-            <a:avLst/>
-          </a:prstGeom>
-          <a:noFill/>
-          <a:ln>
-            <a:noFill/>
-          </a:ln>
-        </p:spPr>
-      </p:pic>
-    </p:spTree>
-  </p:cSld>
-  <p:clrMapOvr>
-    <a:masterClrMapping/>
-  </p:clrMapOvr>
-  <p:transition/>
-  <p:timing>
-    <p:tnLst>
-      <p:par>
-        <p:cTn id="1" dur="indefinite" restart="never" nodeType="tmRoot"/>
-      </p:par>
-    </p:tnLst>
-  </p:timing>
-</p:sld>
-</file>
-
 <file path=ppt/slides/slide2.xml><?xml version="1.0" encoding="utf-8"?>
 <p:sld xmlns:a="http://schemas.openxmlformats.org/drawingml/2006/main" xmlns:r="http://schemas.openxmlformats.org/officeDocument/2006/relationships" xmlns:p="http://schemas.openxmlformats.org/presentationml/2006/main">
   <p:cSld>
@@ -6751,10 +6225,9 @@
           <a:lstStyle/>
           <a:p>
             <a:r>
-              <a:rPr lang="de-DE" dirty="0" smtClean="0"/>
+              <a:rPr lang="de-DE" dirty="0"/>
               <a:t>Gliederung</a:t>
             </a:r>
-            <a:endParaRPr lang="de-DE" dirty="0"/>
           </a:p>
         </p:txBody>
       </p:sp>
@@ -6774,73 +6247,67 @@
           <a:lstStyle/>
           <a:p>
             <a:r>
-              <a:rPr lang="de-DE" dirty="0" err="1" smtClean="0"/>
+              <a:rPr lang="de-DE" dirty="0" err="1"/>
               <a:t>PacMan</a:t>
             </a:r>
             <a:r>
-              <a:rPr lang="de-DE" dirty="0" smtClean="0"/>
+              <a:rPr lang="de-DE" dirty="0"/>
               <a:t> – Spaß und Sport</a:t>
             </a:r>
           </a:p>
           <a:p>
             <a:r>
-              <a:rPr lang="de-DE" dirty="0" smtClean="0"/>
-              <a:t>Sensoren</a:t>
-            </a:r>
-          </a:p>
-          <a:p>
-            <a:r>
-              <a:rPr lang="de-DE" dirty="0" err="1" smtClean="0"/>
+              <a:rPr lang="de-DE" dirty="0"/>
+              <a:t>Sensoren0</a:t>
+            </a:r>
+          </a:p>
+          <a:p>
+            <a:r>
+              <a:rPr lang="de-DE" dirty="0" err="1"/>
               <a:t>Affordanzen</a:t>
             </a:r>
             <a:r>
-              <a:rPr lang="de-DE" dirty="0" smtClean="0"/>
+              <a:rPr lang="de-DE" dirty="0"/>
               <a:t> und Mapping</a:t>
             </a:r>
           </a:p>
           <a:p>
             <a:r>
-              <a:rPr lang="de-DE" dirty="0" err="1" smtClean="0"/>
+              <a:rPr lang="de-DE" dirty="0" err="1"/>
               <a:t>Physical</a:t>
             </a:r>
             <a:r>
-              <a:rPr lang="de-DE" dirty="0" smtClean="0"/>
+              <a:rPr lang="de-DE" dirty="0"/>
               <a:t> und </a:t>
             </a:r>
             <a:r>
-              <a:rPr lang="de-DE" dirty="0" err="1" smtClean="0"/>
+              <a:rPr lang="de-DE" dirty="0" err="1"/>
               <a:t>Ubiquitous</a:t>
             </a:r>
             <a:r>
-              <a:rPr lang="de-DE" dirty="0" smtClean="0"/>
+              <a:rPr lang="de-DE" dirty="0"/>
               <a:t> Computing</a:t>
             </a:r>
           </a:p>
           <a:p>
             <a:r>
-              <a:rPr lang="de-DE" dirty="0" smtClean="0"/>
+              <a:rPr lang="de-DE" dirty="0"/>
               <a:t>Nutzung von Biosignalen und </a:t>
             </a:r>
             <a:r>
-              <a:rPr lang="de-DE" dirty="0" err="1" smtClean="0"/>
+              <a:rPr lang="de-DE" dirty="0" err="1"/>
               <a:t>Affective</a:t>
             </a:r>
             <a:r>
-              <a:rPr lang="de-DE" dirty="0" smtClean="0"/>
-              <a:t> </a:t>
-            </a:r>
-            <a:r>
-              <a:rPr lang="de-DE" dirty="0" smtClean="0"/>
-              <a:t>Computing</a:t>
-            </a:r>
-            <a:endParaRPr lang="de-DE" dirty="0" smtClean="0"/>
-          </a:p>
-          <a:p>
-            <a:r>
-              <a:rPr lang="de-DE" dirty="0" smtClean="0"/>
+              <a:rPr lang="de-DE" dirty="0"/>
+              <a:t> Computing</a:t>
+            </a:r>
+          </a:p>
+          <a:p>
+            <a:r>
+              <a:rPr lang="de-DE" dirty="0"/>
               <a:t>Reinforcement Learning</a:t>
             </a:r>
-            <a:endParaRPr lang="de-DE" dirty="0"/>
           </a:p>
         </p:txBody>
       </p:sp>
@@ -6912,14 +6379,13 @@
           <a:lstStyle/>
           <a:p>
             <a:r>
-              <a:rPr lang="de-DE" dirty="0" err="1" smtClean="0"/>
+              <a:rPr lang="de-DE" dirty="0" err="1"/>
               <a:t>PacMan</a:t>
             </a:r>
             <a:r>
-              <a:rPr lang="de-DE" dirty="0" smtClean="0"/>
+              <a:rPr lang="de-DE" dirty="0"/>
               <a:t> – Spaß und Sport</a:t>
             </a:r>
-            <a:endParaRPr lang="de-DE" dirty="0"/>
           </a:p>
         </p:txBody>
       </p:sp>
@@ -6939,41 +6405,33 @@
           <a:lstStyle/>
           <a:p>
             <a:r>
-              <a:rPr lang="de-DE" dirty="0" smtClean="0"/>
+              <a:rPr lang="de-DE" dirty="0"/>
               <a:t>Idee: Erlebe </a:t>
             </a:r>
             <a:r>
-              <a:rPr lang="de-DE" dirty="0" err="1" smtClean="0"/>
+              <a:rPr lang="de-DE" dirty="0" err="1"/>
               <a:t>PacMan</a:t>
             </a:r>
             <a:r>
-              <a:rPr lang="de-DE" dirty="0" smtClean="0"/>
+              <a:rPr lang="de-DE" dirty="0"/>
               <a:t> neu</a:t>
             </a:r>
           </a:p>
           <a:p>
             <a:r>
-              <a:rPr lang="de-DE" dirty="0" smtClean="0"/>
+              <a:rPr lang="de-DE" dirty="0"/>
               <a:t>Neu: unsichtbare Geister</a:t>
             </a:r>
           </a:p>
           <a:p>
             <a:r>
-              <a:rPr lang="de-DE" dirty="0" smtClean="0"/>
-              <a:t>Kuscheltier Mike aus der </a:t>
-            </a:r>
-            <a:r>
-              <a:rPr lang="de-DE" dirty="0" err="1" smtClean="0"/>
-              <a:t>MonsterAG</a:t>
-            </a:r>
-            <a:r>
-              <a:rPr lang="de-DE" dirty="0" smtClean="0"/>
-              <a:t> als Controller</a:t>
-            </a:r>
-          </a:p>
-          <a:p>
-            <a:r>
-              <a:rPr lang="de-DE" dirty="0" smtClean="0"/>
+              <a:rPr lang="de-DE" dirty="0"/>
+              <a:t>Kuscheltier Mike als Controller</a:t>
+            </a:r>
+          </a:p>
+          <a:p>
+            <a:r>
+              <a:rPr lang="de-DE" dirty="0"/>
               <a:t>Steigerung des Pulses erhöht Geschwindigkeit</a:t>
             </a:r>
           </a:p>
@@ -6983,17 +6441,13 @@
             </a:pPr>
             <a:r>
               <a:rPr lang="de-DE" dirty="0"/>
-              <a:t> </a:t>
-            </a:r>
-            <a:r>
-              <a:rPr lang="de-DE" dirty="0" smtClean="0"/>
-              <a:t>    des </a:t>
-            </a:r>
-            <a:r>
-              <a:rPr lang="de-DE" dirty="0" err="1" smtClean="0"/>
+              <a:t>     des </a:t>
+            </a:r>
+            <a:r>
+              <a:rPr lang="de-DE" dirty="0" err="1"/>
               <a:t>PacMan</a:t>
             </a:r>
-            <a:endParaRPr lang="de-DE" dirty="0" smtClean="0"/>
+            <a:endParaRPr lang="de-DE" dirty="0"/>
           </a:p>
           <a:p>
             <a:endParaRPr lang="de-DE" dirty="0"/>
@@ -7113,10 +6567,9 @@
           <a:lstStyle/>
           <a:p>
             <a:r>
-              <a:rPr lang="de-DE" dirty="0" smtClean="0"/>
+              <a:rPr lang="de-DE" dirty="0"/>
               <a:t>Video</a:t>
             </a:r>
-            <a:endParaRPr lang="de-DE" dirty="0"/>
           </a:p>
         </p:txBody>
       </p:sp>
@@ -7162,10 +6615,9 @@
           <a:lstStyle/>
           <a:p>
             <a:r>
-              <a:rPr lang="de-DE" dirty="0" smtClean="0"/>
-              <a:t>Sensoren</a:t>
-            </a:r>
-            <a:endParaRPr lang="de-DE" dirty="0"/>
+              <a:rPr lang="de-DE" dirty="0"/>
+              <a:t>Sensoren und Aktuatoren</a:t>
+            </a:r>
           </a:p>
         </p:txBody>
       </p:sp>
@@ -7184,46 +6636,46 @@
           <a:bodyPr/>
           <a:lstStyle/>
           <a:p>
-            <a:endParaRPr lang="de-DE" dirty="0" smtClean="0"/>
-          </a:p>
-          <a:p>
-            <a:r>
-              <a:rPr lang="de-DE" dirty="0" smtClean="0"/>
+            <a:endParaRPr lang="de-DE" dirty="0"/>
+          </a:p>
+          <a:p>
+            <a:r>
+              <a:rPr lang="de-DE" dirty="0"/>
               <a:t>Gyroskop: Steuerung des Controllers</a:t>
             </a:r>
           </a:p>
           <a:p>
             <a:r>
-              <a:rPr lang="de-DE" dirty="0" err="1" smtClean="0"/>
+              <a:rPr lang="de-DE" dirty="0" err="1"/>
               <a:t>NeoPixel</a:t>
             </a:r>
             <a:r>
-              <a:rPr lang="de-DE" dirty="0" smtClean="0"/>
+              <a:rPr lang="de-DE" dirty="0"/>
               <a:t>-Ring: Position der Geister</a:t>
             </a:r>
           </a:p>
           <a:p>
             <a:r>
-              <a:rPr lang="de-DE" dirty="0" smtClean="0"/>
+              <a:rPr lang="de-DE" dirty="0"/>
               <a:t>Vibrations-Sensor: Anzeigen der Nähe der Geister</a:t>
             </a:r>
           </a:p>
           <a:p>
             <a:r>
-              <a:rPr lang="de-DE" dirty="0" smtClean="0"/>
+              <a:rPr lang="de-DE" dirty="0"/>
               <a:t>Puls-Sensor: Steuern der Geschwindigkeit des </a:t>
             </a:r>
             <a:r>
-              <a:rPr lang="de-DE" dirty="0" err="1" smtClean="0"/>
+              <a:rPr lang="de-DE" dirty="0" err="1"/>
               <a:t>PacMan</a:t>
             </a:r>
-            <a:endParaRPr lang="de-DE" dirty="0" smtClean="0"/>
-          </a:p>
-          <a:p>
-            <a:endParaRPr lang="de-DE" dirty="0" smtClean="0"/>
-          </a:p>
-          <a:p>
-            <a:endParaRPr lang="de-DE" dirty="0" smtClean="0"/>
+            <a:endParaRPr lang="de-DE" dirty="0"/>
+          </a:p>
+          <a:p>
+            <a:endParaRPr lang="de-DE" dirty="0"/>
+          </a:p>
+          <a:p>
+            <a:endParaRPr lang="de-DE" dirty="0"/>
           </a:p>
         </p:txBody>
       </p:sp>
@@ -7244,7 +6696,7 @@
         </p:blipFill>
         <p:spPr bwMode="auto">
           <a:xfrm>
-            <a:off x="1991544" y="1268760"/>
+            <a:off x="6960096" y="2293038"/>
             <a:ext cx="2376264" cy="1296144"/>
           </a:xfrm>
           <a:prstGeom prst="rect">
@@ -7270,7 +6722,7 @@
         </p:blipFill>
         <p:spPr bwMode="auto">
           <a:xfrm rot="5400000">
-            <a:off x="8149952" y="2383160"/>
+            <a:off x="8942040" y="4268552"/>
             <a:ext cx="1872208" cy="1371600"/>
           </a:xfrm>
           <a:prstGeom prst="rect">
@@ -7296,7 +6748,7 @@
         </p:blipFill>
         <p:spPr bwMode="auto">
           <a:xfrm>
-            <a:off x="9192344" y="4653136"/>
+            <a:off x="6096000" y="5157192"/>
             <a:ext cx="1466528" cy="1466528"/>
           </a:xfrm>
           <a:prstGeom prst="rect">
@@ -7347,14 +6799,13 @@
           <a:lstStyle/>
           <a:p>
             <a:r>
-              <a:rPr lang="de-DE" dirty="0" err="1" smtClean="0"/>
+              <a:rPr lang="de-DE" dirty="0" err="1"/>
               <a:t>Affordanzen</a:t>
             </a:r>
             <a:r>
-              <a:rPr lang="de-DE" dirty="0" smtClean="0"/>
+              <a:rPr lang="de-DE" dirty="0"/>
               <a:t> und Mapping</a:t>
             </a:r>
-            <a:endParaRPr lang="de-DE" dirty="0"/>
           </a:p>
         </p:txBody>
       </p:sp>
@@ -7374,61 +6825,52 @@
           <a:lstStyle/>
           <a:p>
             <a:r>
-              <a:rPr lang="de-DE" dirty="0" err="1" smtClean="0"/>
+              <a:rPr lang="de-DE" dirty="0" err="1"/>
               <a:t>Affordanz</a:t>
             </a:r>
             <a:r>
-              <a:rPr lang="de-DE" dirty="0" smtClean="0"/>
+              <a:rPr lang="de-DE" dirty="0"/>
               <a:t>: intuitive Bedienung</a:t>
             </a:r>
           </a:p>
           <a:p>
             <a:r>
-              <a:rPr lang="de-DE" dirty="0" smtClean="0"/>
+              <a:rPr lang="de-DE" dirty="0"/>
               <a:t>Mapping: </a:t>
             </a:r>
           </a:p>
           <a:p>
             <a:pPr lvl="1"/>
             <a:r>
-              <a:rPr lang="de-DE" dirty="0" smtClean="0"/>
+              <a:rPr lang="de-DE" dirty="0"/>
               <a:t>Geister sind unsichtbar</a:t>
             </a:r>
           </a:p>
           <a:p>
             <a:pPr lvl="1"/>
             <a:r>
-              <a:rPr lang="de-DE" dirty="0" err="1" smtClean="0"/>
+              <a:rPr lang="de-DE" dirty="0" err="1"/>
               <a:t>NeoPixel</a:t>
             </a:r>
             <a:r>
-              <a:rPr lang="de-DE" dirty="0" smtClean="0"/>
-              <a:t>-Ring auf </a:t>
-            </a:r>
-            <a:r>
               <a:rPr lang="de-DE" dirty="0"/>
-              <a:t>dem </a:t>
-            </a:r>
-            <a:r>
-              <a:rPr lang="de-DE" dirty="0" smtClean="0"/>
-              <a:t>Auge des Controllers platziert</a:t>
+              <a:t>-Ring auf dem Auge des Controller</a:t>
             </a:r>
           </a:p>
           <a:p>
             <a:pPr lvl="1"/>
             <a:r>
-              <a:rPr lang="de-DE" dirty="0" smtClean="0"/>
+              <a:rPr lang="de-DE" dirty="0"/>
               <a:t>Runder </a:t>
-            </a:r>
-            <a:r>
-              <a:rPr lang="de-DE" dirty="0"/>
-              <a:t>Controller wie </a:t>
             </a:r>
             <a:r>
               <a:rPr lang="de-DE" dirty="0" err="1"/>
               <a:t>PacMan</a:t>
             </a:r>
-            <a:endParaRPr lang="de-DE" dirty="0"/>
+            <a:r>
+              <a:rPr lang="de-DE" dirty="0"/>
+              <a:t> Controller</a:t>
+            </a:r>
           </a:p>
         </p:txBody>
       </p:sp>
@@ -7506,22 +6948,21 @@
           <a:lstStyle/>
           <a:p>
             <a:r>
-              <a:rPr lang="de-DE" dirty="0" err="1" smtClean="0"/>
+              <a:rPr lang="de-DE" dirty="0" err="1"/>
               <a:t>Physical</a:t>
             </a:r>
             <a:r>
-              <a:rPr lang="de-DE" dirty="0" smtClean="0"/>
+              <a:rPr lang="de-DE" dirty="0"/>
               <a:t> und </a:t>
             </a:r>
             <a:r>
-              <a:rPr lang="de-DE" dirty="0" err="1" smtClean="0"/>
+              <a:rPr lang="de-DE" dirty="0" err="1"/>
               <a:t>Ubiquitous</a:t>
             </a:r>
             <a:r>
-              <a:rPr lang="de-DE" dirty="0" smtClean="0"/>
+              <a:rPr lang="de-DE" dirty="0"/>
               <a:t> Computing</a:t>
             </a:r>
-            <a:endParaRPr lang="de-DE" dirty="0"/>
           </a:p>
         </p:txBody>
       </p:sp>
@@ -7541,47 +6982,31 @@
           <a:lstStyle/>
           <a:p>
             <a:r>
-              <a:rPr lang="de-DE" dirty="0" err="1" smtClean="0"/>
+              <a:rPr lang="de-DE" dirty="0" err="1"/>
               <a:t>Physical</a:t>
             </a:r>
             <a:r>
-              <a:rPr lang="de-DE" dirty="0" smtClean="0"/>
-              <a:t> Computing: Kuscheltier als </a:t>
-            </a:r>
-            <a:r>
               <a:rPr lang="de-DE" dirty="0"/>
-              <a:t>Controller und Interface </a:t>
-            </a:r>
-            <a:r>
-              <a:rPr lang="de-DE" dirty="0" smtClean="0"/>
-              <a:t>verwendet</a:t>
-            </a:r>
-          </a:p>
-          <a:p>
-            <a:r>
-              <a:rPr lang="de-DE" dirty="0" err="1" smtClean="0"/>
+              <a:t> Computing: Kuscheltier als Controller und Interface</a:t>
+            </a:r>
+          </a:p>
+          <a:p>
+            <a:r>
+              <a:rPr lang="de-DE" dirty="0" err="1"/>
               <a:t>Ubiquitous</a:t>
             </a:r>
             <a:r>
-              <a:rPr lang="de-DE" dirty="0" smtClean="0"/>
-              <a:t> Computing: Kuscheltier </a:t>
-            </a:r>
-            <a:r>
               <a:rPr lang="de-DE" dirty="0"/>
-              <a:t>mit Sensoren als </a:t>
-            </a:r>
-            <a:r>
-              <a:rPr lang="de-DE" dirty="0" smtClean="0"/>
-              <a:t>Interaktions-Gegenstand</a:t>
-            </a:r>
-          </a:p>
-          <a:p>
-            <a:r>
-              <a:rPr lang="de-DE" dirty="0" err="1" smtClean="0"/>
+              <a:t> Computing: Kuscheltier mit Sensoren als Interaktions-Gegenstand</a:t>
+            </a:r>
+          </a:p>
+          <a:p>
+            <a:r>
+              <a:rPr lang="de-DE" dirty="0" err="1"/>
               <a:t>Embodied</a:t>
             </a:r>
             <a:r>
-              <a:rPr lang="de-DE" dirty="0" smtClean="0"/>
+              <a:rPr lang="de-DE" dirty="0"/>
               <a:t> Interaction: Interaktion mit alltäglichem Gegenstand</a:t>
             </a:r>
           </a:p>
@@ -7629,22 +7054,17 @@
           <a:lstStyle/>
           <a:p>
             <a:r>
-              <a:rPr lang="de-DE" dirty="0" smtClean="0"/>
+              <a:rPr lang="de-DE" dirty="0"/>
               <a:t>Nutzung von Biosignalen und </a:t>
             </a:r>
             <a:r>
-              <a:rPr lang="de-DE" dirty="0" err="1" smtClean="0"/>
+              <a:rPr lang="de-DE" dirty="0" err="1"/>
               <a:t>Affective</a:t>
             </a:r>
             <a:r>
-              <a:rPr lang="de-DE" dirty="0" smtClean="0"/>
-              <a:t> </a:t>
-            </a:r>
-            <a:r>
-              <a:rPr lang="de-DE" dirty="0" smtClean="0"/>
-              <a:t>Computing</a:t>
-            </a:r>
-            <a:endParaRPr lang="de-DE" dirty="0"/>
+              <a:rPr lang="de-DE" dirty="0"/>
+              <a:t> Computing</a:t>
+            </a:r>
           </a:p>
         </p:txBody>
       </p:sp>
@@ -7664,45 +7084,24 @@
           <a:lstStyle/>
           <a:p>
             <a:r>
-              <a:rPr lang="de-DE" dirty="0" smtClean="0"/>
-              <a:t>Biosignale: </a:t>
-            </a:r>
-            <a:r>
               <a:rPr lang="de-DE" dirty="0"/>
-              <a:t>Verwendung eines </a:t>
-            </a:r>
-            <a:r>
-              <a:rPr lang="de-DE" dirty="0" smtClean="0"/>
-              <a:t>Puls-Sensors </a:t>
+              <a:t>Biosignale: Verwendung eines Puls-Sensors zur Steuerung der Geschwindigkeit des </a:t>
+            </a:r>
+            <a:r>
+              <a:rPr lang="de-DE" dirty="0" err="1"/>
+              <a:t>PacMan</a:t>
+            </a:r>
+            <a:endParaRPr lang="de-DE" dirty="0"/>
+          </a:p>
+          <a:p>
+            <a:r>
+              <a:rPr lang="de-DE" dirty="0" err="1"/>
+              <a:t>Affective</a:t>
             </a:r>
             <a:r>
               <a:rPr lang="de-DE" dirty="0"/>
-              <a:t>zur Steuerung der Geschwindigkeit des </a:t>
-            </a:r>
-            <a:r>
-              <a:rPr lang="de-DE" dirty="0" err="1" smtClean="0"/>
-              <a:t>PacMan</a:t>
-            </a:r>
-            <a:endParaRPr lang="de-DE" dirty="0" smtClean="0"/>
-          </a:p>
-          <a:p>
-            <a:r>
-              <a:rPr lang="de-DE" dirty="0" err="1" smtClean="0"/>
-              <a:t>Affective</a:t>
-            </a:r>
-            <a:r>
-              <a:rPr lang="de-DE" dirty="0" smtClean="0"/>
-              <a:t> Computing: Panik </a:t>
-            </a:r>
-            <a:r>
-              <a:rPr lang="de-DE" dirty="0"/>
-              <a:t>wenn Geist plötzlich in der Nähe </a:t>
-            </a:r>
-            <a:r>
-              <a:rPr lang="de-DE" dirty="0" smtClean="0"/>
-              <a:t>ist -&gt; Reaktion mit Puls-Sensor möglich</a:t>
-            </a:r>
-            <a:endParaRPr lang="de-DE" dirty="0"/>
+              <a:t> Computing: Panik wenn Geist plötzlich in der Nähe ist -&gt; Reaktion mit Puls-Sensor möglich</a:t>
+            </a:r>
           </a:p>
         </p:txBody>
       </p:sp>
@@ -7748,10 +7147,9 @@
           <a:lstStyle/>
           <a:p>
             <a:r>
-              <a:rPr lang="de-DE" dirty="0" smtClean="0"/>
+              <a:rPr lang="de-DE" dirty="0"/>
               <a:t>Reinforcement Learning</a:t>
             </a:r>
-            <a:endParaRPr lang="de-DE" dirty="0"/>
           </a:p>
         </p:txBody>
       </p:sp>
@@ -7779,60 +7177,56 @@
               <a:t>Inky</a:t>
             </a:r>
             <a:r>
-              <a:rPr lang="de-DE" dirty="0" smtClean="0"/>
+              <a:rPr lang="de-DE" dirty="0"/>
               <a:t>“</a:t>
             </a:r>
           </a:p>
           <a:p>
             <a:pPr lvl="1"/>
             <a:r>
-              <a:rPr lang="de-DE" dirty="0" smtClean="0"/>
+              <a:rPr lang="de-DE" dirty="0"/>
               <a:t>Zustände: </a:t>
             </a:r>
             <a:r>
-              <a:rPr lang="de-DE" dirty="0" err="1" smtClean="0"/>
+              <a:rPr lang="de-DE" dirty="0" err="1"/>
               <a:t>TurnLeft</a:t>
             </a:r>
             <a:r>
-              <a:rPr lang="de-DE" dirty="0" smtClean="0"/>
+              <a:rPr lang="de-DE" dirty="0"/>
               <a:t>, </a:t>
             </a:r>
             <a:r>
-              <a:rPr lang="de-DE" dirty="0" err="1" smtClean="0"/>
+              <a:rPr lang="de-DE" dirty="0" err="1"/>
               <a:t>TurnRight</a:t>
             </a:r>
             <a:r>
-              <a:rPr lang="de-DE" dirty="0" smtClean="0"/>
+              <a:rPr lang="de-DE" dirty="0"/>
               <a:t>, </a:t>
             </a:r>
             <a:r>
-              <a:rPr lang="de-DE" dirty="0" err="1" smtClean="0"/>
+              <a:rPr lang="de-DE" dirty="0" err="1"/>
               <a:t>PacManEaten</a:t>
             </a:r>
-            <a:endParaRPr lang="de-DE" dirty="0" smtClean="0"/>
+            <a:endParaRPr lang="de-DE" dirty="0"/>
           </a:p>
           <a:p>
             <a:pPr lvl="1"/>
             <a:r>
-              <a:rPr lang="de-DE" dirty="0" err="1" smtClean="0"/>
+              <a:rPr lang="de-DE" dirty="0" err="1"/>
               <a:t>Reward</a:t>
             </a:r>
             <a:r>
-              <a:rPr lang="de-DE" dirty="0" smtClean="0"/>
+              <a:rPr lang="de-DE" dirty="0"/>
               <a:t>: </a:t>
             </a:r>
             <a:r>
-              <a:rPr lang="de-DE" dirty="0" err="1" smtClean="0"/>
+              <a:rPr lang="de-DE" dirty="0" err="1"/>
               <a:t>PacMan</a:t>
             </a:r>
             <a:r>
-              <a:rPr lang="de-DE" dirty="0" smtClean="0"/>
+              <a:rPr lang="de-DE" dirty="0"/>
               <a:t> gefressen</a:t>
             </a:r>
-          </a:p>
-          <a:p>
-            <a:pPr lvl="1"/>
-            <a:endParaRPr lang="de-DE" dirty="0" smtClean="0"/>
           </a:p>
           <a:p>
             <a:pPr lvl="1"/>
@@ -7840,7 +7234,11 @@
           </a:p>
           <a:p>
             <a:pPr lvl="1"/>
-            <a:endParaRPr lang="de-DE" dirty="0" smtClean="0"/>
+            <a:endParaRPr lang="de-DE" dirty="0"/>
+          </a:p>
+          <a:p>
+            <a:pPr lvl="1"/>
+            <a:endParaRPr lang="de-DE" dirty="0"/>
           </a:p>
           <a:p>
             <a:pPr lvl="1"/>
